--- a/PPT Slides/Week_14_Lecture_1 (solving example problems).pptx
+++ b/PPT Slides/Week_14_Lecture_1 (solving example problems).pptx
@@ -207,7 +207,7 @@
           <a:p>
             <a:fld id="{D3A945AC-70EB-403B-9610-C4726E471E92}" type="datetimeFigureOut">
               <a:rPr lang="en-US" smtClean="0"/>
-              <a:t>11/29/2022</a:t>
+              <a:t>12/6/22</a:t>
             </a:fld>
             <a:endParaRPr lang="en-US"/>
           </a:p>
@@ -624,7 +624,7 @@
           <a:p>
             <a:fld id="{6BAAB186-9E99-4F38-BB4F-99E52B20A6CC}" type="datetime1">
               <a:rPr lang="en-US" smtClean="0"/>
-              <a:t>11/29/2022</a:t>
+              <a:t>12/6/22</a:t>
             </a:fld>
             <a:endParaRPr lang="en-US"/>
           </a:p>
@@ -824,7 +824,7 @@
           <a:p>
             <a:fld id="{B0FA7BCA-710D-4544-97A1-B0A8F8D85794}" type="datetime1">
               <a:rPr lang="en-US" smtClean="0"/>
-              <a:t>11/29/2022</a:t>
+              <a:t>12/6/22</a:t>
             </a:fld>
             <a:endParaRPr lang="en-US"/>
           </a:p>
@@ -1034,7 +1034,7 @@
           <a:p>
             <a:fld id="{F3FE12C4-866D-4D1E-BFDD-37C1ADBA272B}" type="datetime1">
               <a:rPr lang="en-US" smtClean="0"/>
-              <a:t>11/29/2022</a:t>
+              <a:t>12/6/22</a:t>
             </a:fld>
             <a:endParaRPr lang="en-US"/>
           </a:p>
@@ -1234,7 +1234,7 @@
           <a:p>
             <a:fld id="{9623E461-9596-41A8-9C84-FDB592432A9F}" type="datetime1">
               <a:rPr lang="en-US" smtClean="0"/>
-              <a:t>11/29/2022</a:t>
+              <a:t>12/6/22</a:t>
             </a:fld>
             <a:endParaRPr lang="en-US"/>
           </a:p>
@@ -1510,7 +1510,7 @@
           <a:p>
             <a:fld id="{5998576D-E5C4-4209-82BF-E60523340835}" type="datetime1">
               <a:rPr lang="en-US" smtClean="0"/>
-              <a:t>11/29/2022</a:t>
+              <a:t>12/6/22</a:t>
             </a:fld>
             <a:endParaRPr lang="en-US"/>
           </a:p>
@@ -1778,7 +1778,7 @@
           <a:p>
             <a:fld id="{844969E6-C4FA-4089-8241-15DC0309B506}" type="datetime1">
               <a:rPr lang="en-US" smtClean="0"/>
-              <a:t>11/29/2022</a:t>
+              <a:t>12/6/22</a:t>
             </a:fld>
             <a:endParaRPr lang="en-US"/>
           </a:p>
@@ -2193,7 +2193,7 @@
           <a:p>
             <a:fld id="{8D3DA843-449B-4064-96F1-0462FF7E142A}" type="datetime1">
               <a:rPr lang="en-US" smtClean="0"/>
-              <a:t>11/29/2022</a:t>
+              <a:t>12/6/22</a:t>
             </a:fld>
             <a:endParaRPr lang="en-US"/>
           </a:p>
@@ -2335,7 +2335,7 @@
           <a:p>
             <a:fld id="{70BE43CC-F5E0-430E-ACFC-0898CE012FE2}" type="datetime1">
               <a:rPr lang="en-US" smtClean="0"/>
-              <a:t>11/29/2022</a:t>
+              <a:t>12/6/22</a:t>
             </a:fld>
             <a:endParaRPr lang="en-US"/>
           </a:p>
@@ -2448,7 +2448,7 @@
           <a:p>
             <a:fld id="{FD990634-3648-4E88-9B2C-3D3D590AB872}" type="datetime1">
               <a:rPr lang="en-US" smtClean="0"/>
-              <a:t>11/29/2022</a:t>
+              <a:t>12/6/22</a:t>
             </a:fld>
             <a:endParaRPr lang="en-US"/>
           </a:p>
@@ -2761,7 +2761,7 @@
           <a:p>
             <a:fld id="{A886E98E-C578-44AD-8AD2-CAB080A26467}" type="datetime1">
               <a:rPr lang="en-US" smtClean="0"/>
-              <a:t>11/29/2022</a:t>
+              <a:t>12/6/22</a:t>
             </a:fld>
             <a:endParaRPr lang="en-US"/>
           </a:p>
@@ -3050,7 +3050,7 @@
           <a:p>
             <a:fld id="{2E6EECD3-992A-47AE-8D22-3F1161A55C13}" type="datetime1">
               <a:rPr lang="en-US" smtClean="0"/>
-              <a:t>11/29/2022</a:t>
+              <a:t>12/6/22</a:t>
             </a:fld>
             <a:endParaRPr lang="en-US"/>
           </a:p>
@@ -3293,7 +3293,7 @@
           <a:p>
             <a:fld id="{6F73E1B1-F47A-4B7C-B1D9-A3E655E9BEDE}" type="datetime1">
               <a:rPr lang="en-US" smtClean="0"/>
-              <a:t>11/29/2022</a:t>
+              <a:t>12/6/22</a:t>
             </a:fld>
             <a:endParaRPr lang="en-US"/>
           </a:p>
@@ -4340,8 +4340,8 @@
           </a:prstGeom>
         </p:spPr>
       </p:pic>
-      <mc:AlternateContent xmlns:mc="http://schemas.openxmlformats.org/markup-compatibility/2006">
-        <mc:Choice xmlns:a14="http://schemas.microsoft.com/office/drawing/2010/main" Requires="a14">
+      <mc:AlternateContent xmlns:mc="http://schemas.openxmlformats.org/markup-compatibility/2006" xmlns:a14="http://schemas.microsoft.com/office/drawing/2010/main">
+        <mc:Choice Requires="a14">
           <p:sp>
             <p:nvSpPr>
               <p:cNvPr id="14" name="TextBox 13">
@@ -4408,7 +4408,7 @@
             </p:txBody>
           </p:sp>
         </mc:Choice>
-        <mc:Fallback>
+        <mc:Fallback xmlns="">
           <p:sp>
             <p:nvSpPr>
               <p:cNvPr id="14" name="TextBox 13">
@@ -4453,8 +4453,8 @@
           </p:sp>
         </mc:Fallback>
       </mc:AlternateContent>
-      <mc:AlternateContent xmlns:mc="http://schemas.openxmlformats.org/markup-compatibility/2006">
-        <mc:Choice xmlns:a14="http://schemas.microsoft.com/office/drawing/2010/main" Requires="a14">
+      <mc:AlternateContent xmlns:mc="http://schemas.openxmlformats.org/markup-compatibility/2006" xmlns:a14="http://schemas.microsoft.com/office/drawing/2010/main">
+        <mc:Choice Requires="a14">
           <p:sp>
             <p:nvSpPr>
               <p:cNvPr id="15" name="TextBox 14">
@@ -4521,7 +4521,7 @@
             </p:txBody>
           </p:sp>
         </mc:Choice>
-        <mc:Fallback>
+        <mc:Fallback xmlns="">
           <p:sp>
             <p:nvSpPr>
               <p:cNvPr id="15" name="TextBox 14">
@@ -5047,7 +5047,7 @@
         <p:spPr>
           <a:xfrm>
             <a:off x="685800" y="1039943"/>
-            <a:ext cx="10421471" cy="2308324"/>
+            <a:ext cx="10421471" cy="2031325"/>
           </a:xfrm>
           <a:prstGeom prst="rect">
             <a:avLst/>
@@ -5142,17 +5142,37 @@
                 <a:latin typeface="Times New Roman" panose="02020603050405020304" pitchFamily="18" charset="0"/>
                 <a:cs typeface="Times New Roman" panose="02020603050405020304" pitchFamily="18" charset="0"/>
               </a:rPr>
-              <a:t> which is the coordinates of its center and its side length </a:t>
-            </a:r>
-            <a:r>
-              <a:rPr lang="en-US" dirty="0">
+              <a:t> which is the coordinates of its center and its side </a:t>
+            </a:r>
+            <a:r>
+              <a:rPr lang="en-US">
+                <a:solidFill>
+                  <a:srgbClr val="202124"/>
+                </a:solidFill>
+                <a:latin typeface="Times New Roman" panose="02020603050405020304" pitchFamily="18" charset="0"/>
+                <a:cs typeface="Times New Roman" panose="02020603050405020304" pitchFamily="18" charset="0"/>
+              </a:rPr>
+              <a:t>length </a:t>
+            </a:r>
+            <a:r>
+              <a:rPr lang="en-US">
                 <a:solidFill>
                   <a:srgbClr val="202124"/>
                 </a:solidFill>
                 <a:latin typeface="Consolas" panose="020B0609020204030204" pitchFamily="49" charset="0"/>
                 <a:cs typeface="Times New Roman" panose="02020603050405020304" pitchFamily="18" charset="0"/>
               </a:rPr>
-              <a:t>l</a:t>
+              <a:t>1</a:t>
+            </a:r>
+            <a:r>
+              <a:rPr lang="en-US">
+                <a:solidFill>
+                  <a:srgbClr val="202124"/>
+                </a:solidFill>
+                <a:latin typeface="Times New Roman" panose="02020603050405020304" pitchFamily="18" charset="0"/>
+                <a:cs typeface="Times New Roman" panose="02020603050405020304" pitchFamily="18" charset="0"/>
+              </a:rPr>
+              <a:t>. </a:t>
             </a:r>
             <a:r>
               <a:rPr lang="en-US" dirty="0">
@@ -5162,27 +5182,7 @@
                 <a:latin typeface="Times New Roman" panose="02020603050405020304" pitchFamily="18" charset="0"/>
                 <a:cs typeface="Times New Roman" panose="02020603050405020304" pitchFamily="18" charset="0"/>
               </a:rPr>
-              <a:t> and its angle </a:t>
-            </a:r>
-            <a:r>
-              <a:rPr lang="en-US" dirty="0">
-                <a:solidFill>
-                  <a:srgbClr val="202124"/>
-                </a:solidFill>
-                <a:latin typeface="Consolas" panose="020B0609020204030204" pitchFamily="49" charset="0"/>
-                <a:cs typeface="Times New Roman" panose="02020603050405020304" pitchFamily="18" charset="0"/>
-              </a:rPr>
-              <a:t>theta</a:t>
-            </a:r>
-            <a:r>
-              <a:rPr lang="en-US" dirty="0">
-                <a:solidFill>
-                  <a:srgbClr val="202124"/>
-                </a:solidFill>
-                <a:latin typeface="Times New Roman" panose="02020603050405020304" pitchFamily="18" charset="0"/>
-                <a:cs typeface="Times New Roman" panose="02020603050405020304" pitchFamily="18" charset="0"/>
-              </a:rPr>
-              <a:t>. It has a list of tuples __V which is the coordinates of its vertices labeled counterclockwise. </a:t>
+              <a:t>It has a list of tuples __V which is the coordinates of its vertices labeled counterclockwise. </a:t>
             </a:r>
             <a:r>
               <a:rPr lang="en-US" dirty="0">
@@ -6393,8 +6393,8 @@
           </a:prstGeom>
         </p:spPr>
       </p:pic>
-      <mc:AlternateContent xmlns:mc="http://schemas.openxmlformats.org/markup-compatibility/2006">
-        <mc:Choice xmlns:a14="http://schemas.microsoft.com/office/drawing/2010/main" Requires="a14">
+      <mc:AlternateContent xmlns:mc="http://schemas.openxmlformats.org/markup-compatibility/2006" xmlns:a14="http://schemas.microsoft.com/office/drawing/2010/main">
+        <mc:Choice Requires="a14">
           <p:sp>
             <p:nvSpPr>
               <p:cNvPr id="14" name="TextBox 13">
@@ -6461,7 +6461,7 @@
             </p:txBody>
           </p:sp>
         </mc:Choice>
-        <mc:Fallback>
+        <mc:Fallback xmlns="">
           <p:sp>
             <p:nvSpPr>
               <p:cNvPr id="14" name="TextBox 13">
@@ -6506,8 +6506,8 @@
           </p:sp>
         </mc:Fallback>
       </mc:AlternateContent>
-      <mc:AlternateContent xmlns:mc="http://schemas.openxmlformats.org/markup-compatibility/2006">
-        <mc:Choice xmlns:a14="http://schemas.microsoft.com/office/drawing/2010/main" Requires="a14">
+      <mc:AlternateContent xmlns:mc="http://schemas.openxmlformats.org/markup-compatibility/2006" xmlns:a14="http://schemas.microsoft.com/office/drawing/2010/main">
+        <mc:Choice Requires="a14">
           <p:sp>
             <p:nvSpPr>
               <p:cNvPr id="15" name="TextBox 14">
@@ -6574,7 +6574,7 @@
             </p:txBody>
           </p:sp>
         </mc:Choice>
-        <mc:Fallback>
+        <mc:Fallback xmlns="">
           <p:sp>
             <p:nvSpPr>
               <p:cNvPr id="15" name="TextBox 14">
@@ -6619,8 +6619,8 @@
           </p:sp>
         </mc:Fallback>
       </mc:AlternateContent>
-      <mc:AlternateContent xmlns:mc="http://schemas.openxmlformats.org/markup-compatibility/2006">
-        <mc:Choice xmlns:a14="http://schemas.microsoft.com/office/drawing/2010/main" Requires="a14">
+      <mc:AlternateContent xmlns:mc="http://schemas.openxmlformats.org/markup-compatibility/2006" xmlns:a14="http://schemas.microsoft.com/office/drawing/2010/main">
+        <mc:Choice Requires="a14">
           <p:sp>
             <p:nvSpPr>
               <p:cNvPr id="16" name="TextBox 15">
@@ -6687,7 +6687,7 @@
             </p:txBody>
           </p:sp>
         </mc:Choice>
-        <mc:Fallback>
+        <mc:Fallback xmlns="">
           <p:sp>
             <p:nvSpPr>
               <p:cNvPr id="16" name="TextBox 15">
@@ -6732,8 +6732,8 @@
           </p:sp>
         </mc:Fallback>
       </mc:AlternateContent>
-      <mc:AlternateContent xmlns:mc="http://schemas.openxmlformats.org/markup-compatibility/2006">
-        <mc:Choice xmlns:a14="http://schemas.microsoft.com/office/drawing/2010/main" Requires="a14">
+      <mc:AlternateContent xmlns:mc="http://schemas.openxmlformats.org/markup-compatibility/2006" xmlns:a14="http://schemas.microsoft.com/office/drawing/2010/main">
+        <mc:Choice Requires="a14">
           <p:sp>
             <p:nvSpPr>
               <p:cNvPr id="17" name="TextBox 16">
@@ -6800,7 +6800,7 @@
             </p:txBody>
           </p:sp>
         </mc:Choice>
-        <mc:Fallback>
+        <mc:Fallback xmlns="">
           <p:sp>
             <p:nvSpPr>
               <p:cNvPr id="17" name="TextBox 16">
@@ -6845,8 +6845,8 @@
           </p:sp>
         </mc:Fallback>
       </mc:AlternateContent>
-      <mc:AlternateContent xmlns:mc="http://schemas.openxmlformats.org/markup-compatibility/2006">
-        <mc:Choice xmlns:a14="http://schemas.microsoft.com/office/drawing/2010/main" Requires="a14">
+      <mc:AlternateContent xmlns:mc="http://schemas.openxmlformats.org/markup-compatibility/2006" xmlns:a14="http://schemas.microsoft.com/office/drawing/2010/main">
+        <mc:Choice Requires="a14">
           <p:sp>
             <p:nvSpPr>
               <p:cNvPr id="18" name="TextBox 17">
@@ -6913,7 +6913,7 @@
             </p:txBody>
           </p:sp>
         </mc:Choice>
-        <mc:Fallback>
+        <mc:Fallback xmlns="">
           <p:sp>
             <p:nvSpPr>
               <p:cNvPr id="18" name="TextBox 17">
@@ -7382,8 +7382,8 @@
           </a:p>
         </p:txBody>
       </p:sp>
-      <mc:AlternateContent xmlns:mc="http://schemas.openxmlformats.org/markup-compatibility/2006">
-        <mc:Choice xmlns:a14="http://schemas.microsoft.com/office/drawing/2010/main" Requires="a14">
+      <mc:AlternateContent xmlns:mc="http://schemas.openxmlformats.org/markup-compatibility/2006" xmlns:a14="http://schemas.microsoft.com/office/drawing/2010/main">
+        <mc:Choice Requires="a14">
           <p:sp>
             <p:nvSpPr>
               <p:cNvPr id="2" name="TextBox 1">
@@ -7775,7 +7775,7 @@
             </p:txBody>
           </p:sp>
         </mc:Choice>
-        <mc:Fallback>
+        <mc:Fallback xmlns="">
           <p:sp>
             <p:nvSpPr>
               <p:cNvPr id="2" name="TextBox 1">
@@ -7820,8 +7820,8 @@
           </p:sp>
         </mc:Fallback>
       </mc:AlternateContent>
-      <mc:AlternateContent xmlns:mc="http://schemas.openxmlformats.org/markup-compatibility/2006">
-        <mc:Choice xmlns:a14="http://schemas.microsoft.com/office/drawing/2010/main" Requires="a14">
+      <mc:AlternateContent xmlns:mc="http://schemas.openxmlformats.org/markup-compatibility/2006" xmlns:a14="http://schemas.microsoft.com/office/drawing/2010/main">
+        <mc:Choice Requires="a14">
           <p:graphicFrame>
             <p:nvGraphicFramePr>
               <p:cNvPr id="7" name="Table 8">
@@ -7881,6 +7881,7 @@
                         <a:bodyPr/>
                         <a:lstStyle/>
                         <a:p>
+                          <a:pPr/>
                           <a14:m>
                             <m:oMathPara xmlns:m="http://schemas.openxmlformats.org/officeDocument/2006/math">
                               <m:oMathParaPr>
@@ -7919,6 +7920,7 @@
                         <a:bodyPr/>
                         <a:lstStyle/>
                         <a:p>
+                          <a:pPr/>
                           <a14:m>
                             <m:oMathPara xmlns:m="http://schemas.openxmlformats.org/officeDocument/2006/math">
                               <m:oMathParaPr>
@@ -7957,6 +7959,7 @@
                         <a:bodyPr/>
                         <a:lstStyle/>
                         <a:p>
+                          <a:pPr/>
                           <a14:m>
                             <m:oMathPara xmlns:m="http://schemas.openxmlformats.org/officeDocument/2006/math">
                               <m:oMathParaPr>
@@ -8599,7 +8602,7 @@
             </a:graphic>
           </p:graphicFrame>
         </mc:Choice>
-        <mc:Fallback>
+        <mc:Fallback xmlns="">
           <p:graphicFrame>
             <p:nvGraphicFramePr>
               <p:cNvPr id="7" name="Table 8">
